--- a/제출자료/발표자료/발표 자료_3주차.pptx
+++ b/제출자료/발표자료/발표 자료_3주차.pptx
@@ -4,8 +4,11 @@
   <p:sldMasterIdLst>
     <p:sldMasterId id="2147483648" r:id="rId1"/>
   </p:sldMasterIdLst>
+  <p:notesMasterIdLst>
+    <p:notesMasterId r:id="rId11"/>
+  </p:notesMasterIdLst>
   <p:handoutMasterIdLst>
-    <p:handoutMasterId r:id="rId11"/>
+    <p:handoutMasterId r:id="rId12"/>
   </p:handoutMasterIdLst>
   <p:sldIdLst>
     <p:sldId id="256" r:id="rId2"/>
@@ -130,6 +133,9 @@
         </p15:guide>
       </p15:sldGuideLst>
     </p:ext>
+    <p:ext uri="{2D200454-40CA-4A62-9FC3-DE9A4176ACB9}">
+      <p15:notesGuideLst xmlns:p15="http://schemas.microsoft.com/office/powerpoint/2012/main"/>
+    </p:ext>
   </p:extLst>
 </p:presentation>
 </file>
@@ -228,7 +234,7 @@
           <a:p>
             <a:fld id="{FE384D09-547B-409A-92B4-87667873664C}" type="datetimeFigureOut">
               <a:rPr lang="ko-KR" altLang="en-US" smtClean="0"/>
-              <a:t>2019-09-15</a:t>
+              <a:t>2019-09-16</a:t>
             </a:fld>
             <a:endParaRPr lang="ko-KR" altLang="en-US"/>
           </a:p>
@@ -321,6 +327,355 @@
   </p:cSld>
   <p:clrMap bg1="lt1" tx1="dk1" bg2="lt2" tx2="dk2" accent1="accent1" accent2="accent2" accent3="accent3" accent4="accent4" accent5="accent5" accent6="accent6" hlink="hlink" folHlink="folHlink"/>
 </p:handoutMaster>
+</file>
+
+<file path=ppt/notesMasters/notesMaster1.xml><?xml version="1.0" encoding="utf-8"?>
+<p:notesMaster xmlns:a="http://schemas.openxmlformats.org/drawingml/2006/main" xmlns:r="http://schemas.openxmlformats.org/officeDocument/2006/relationships" xmlns:p="http://schemas.openxmlformats.org/presentationml/2006/main">
+  <p:cSld>
+    <p:bg>
+      <p:bgRef idx="1001">
+        <a:schemeClr val="bg1"/>
+      </p:bgRef>
+    </p:bg>
+    <p:spTree>
+      <p:nvGrpSpPr>
+        <p:cNvPr id="1" name=""/>
+        <p:cNvGrpSpPr/>
+        <p:nvPr/>
+      </p:nvGrpSpPr>
+      <p:grpSpPr>
+        <a:xfrm>
+          <a:off x="0" y="0"/>
+          <a:ext cx="0" cy="0"/>
+          <a:chOff x="0" y="0"/>
+          <a:chExt cx="0" cy="0"/>
+        </a:xfrm>
+      </p:grpSpPr>
+      <p:sp>
+        <p:nvSpPr>
+          <p:cNvPr id="2" name="머리글 개체 틀 1"/>
+          <p:cNvSpPr>
+            <a:spLocks noGrp="1"/>
+          </p:cNvSpPr>
+          <p:nvPr>
+            <p:ph type="hdr" sz="quarter"/>
+          </p:nvPr>
+        </p:nvSpPr>
+        <p:spPr>
+          <a:xfrm>
+            <a:off x="0" y="0"/>
+            <a:ext cx="3276600" cy="536575"/>
+          </a:xfrm>
+          <a:prstGeom prst="rect">
+            <a:avLst/>
+          </a:prstGeom>
+        </p:spPr>
+        <p:txBody>
+          <a:bodyPr vert="horz" lIns="91440" tIns="45720" rIns="91440" bIns="45720" rtlCol="0"/>
+          <a:lstStyle>
+            <a:lvl1pPr algn="l">
+              <a:defRPr sz="1200"/>
+            </a:lvl1pPr>
+          </a:lstStyle>
+          <a:p>
+            <a:endParaRPr lang="ko-KR" altLang="en-US"/>
+          </a:p>
+        </p:txBody>
+      </p:sp>
+      <p:sp>
+        <p:nvSpPr>
+          <p:cNvPr id="3" name="날짜 개체 틀 2"/>
+          <p:cNvSpPr>
+            <a:spLocks noGrp="1"/>
+          </p:cNvSpPr>
+          <p:nvPr>
+            <p:ph type="dt" idx="1"/>
+          </p:nvPr>
+        </p:nvSpPr>
+        <p:spPr>
+          <a:xfrm>
+            <a:off x="4281488" y="0"/>
+            <a:ext cx="3276600" cy="536575"/>
+          </a:xfrm>
+          <a:prstGeom prst="rect">
+            <a:avLst/>
+          </a:prstGeom>
+        </p:spPr>
+        <p:txBody>
+          <a:bodyPr vert="horz" lIns="91440" tIns="45720" rIns="91440" bIns="45720" rtlCol="0"/>
+          <a:lstStyle>
+            <a:lvl1pPr algn="r">
+              <a:defRPr sz="1200"/>
+            </a:lvl1pPr>
+          </a:lstStyle>
+          <a:p>
+            <a:fld id="{CF60034E-CE91-42FF-AC75-D6BCA68D6C21}" type="datetimeFigureOut">
+              <a:rPr lang="ko-KR" altLang="en-US" smtClean="0"/>
+              <a:t>2019-09-16</a:t>
+            </a:fld>
+            <a:endParaRPr lang="ko-KR" altLang="en-US"/>
+          </a:p>
+        </p:txBody>
+      </p:sp>
+      <p:sp>
+        <p:nvSpPr>
+          <p:cNvPr id="4" name="슬라이드 이미지 개체 틀 3"/>
+          <p:cNvSpPr>
+            <a:spLocks noGrp="1" noRot="1" noChangeAspect="1"/>
+          </p:cNvSpPr>
+          <p:nvPr>
+            <p:ph type="sldImg" idx="2"/>
+          </p:nvPr>
+        </p:nvSpPr>
+        <p:spPr>
+          <a:xfrm>
+            <a:off x="573088" y="1336675"/>
+            <a:ext cx="6413500" cy="3608388"/>
+          </a:xfrm>
+          <a:prstGeom prst="rect">
+            <a:avLst/>
+          </a:prstGeom>
+          <a:noFill/>
+          <a:ln w="12700">
+            <a:solidFill>
+              <a:prstClr val="black"/>
+            </a:solidFill>
+          </a:ln>
+        </p:spPr>
+        <p:txBody>
+          <a:bodyPr vert="horz" lIns="91440" tIns="45720" rIns="91440" bIns="45720" rtlCol="0" anchor="ctr"/>
+          <a:lstStyle/>
+          <a:p>
+            <a:endParaRPr lang="ko-KR" altLang="en-US"/>
+          </a:p>
+        </p:txBody>
+      </p:sp>
+      <p:sp>
+        <p:nvSpPr>
+          <p:cNvPr id="5" name="슬라이드 노트 개체 틀 4"/>
+          <p:cNvSpPr>
+            <a:spLocks noGrp="1"/>
+          </p:cNvSpPr>
+          <p:nvPr>
+            <p:ph type="body" sz="quarter" idx="3"/>
+          </p:nvPr>
+        </p:nvSpPr>
+        <p:spPr>
+          <a:xfrm>
+            <a:off x="755650" y="5145088"/>
+            <a:ext cx="6048375" cy="4210050"/>
+          </a:xfrm>
+          <a:prstGeom prst="rect">
+            <a:avLst/>
+          </a:prstGeom>
+        </p:spPr>
+        <p:txBody>
+          <a:bodyPr vert="horz" lIns="91440" tIns="45720" rIns="91440" bIns="45720" rtlCol="0"/>
+          <a:lstStyle/>
+          <a:p>
+            <a:pPr lvl="0"/>
+            <a:r>
+              <a:rPr lang="ko-KR" altLang="en-US"/>
+              <a:t>마스터 텍스트 스타일을 편집하려면 클릭</a:t>
+            </a:r>
+          </a:p>
+          <a:p>
+            <a:pPr lvl="1"/>
+            <a:r>
+              <a:rPr lang="ko-KR" altLang="en-US"/>
+              <a:t>두 번째 수준</a:t>
+            </a:r>
+          </a:p>
+          <a:p>
+            <a:pPr lvl="2"/>
+            <a:r>
+              <a:rPr lang="ko-KR" altLang="en-US"/>
+              <a:t>세 번째 수준</a:t>
+            </a:r>
+          </a:p>
+          <a:p>
+            <a:pPr lvl="3"/>
+            <a:r>
+              <a:rPr lang="ko-KR" altLang="en-US"/>
+              <a:t>네 번째 수준</a:t>
+            </a:r>
+          </a:p>
+          <a:p>
+            <a:pPr lvl="4"/>
+            <a:r>
+              <a:rPr lang="ko-KR" altLang="en-US"/>
+              <a:t>다섯 번째 수준</a:t>
+            </a:r>
+          </a:p>
+        </p:txBody>
+      </p:sp>
+      <p:sp>
+        <p:nvSpPr>
+          <p:cNvPr id="6" name="바닥글 개체 틀 5"/>
+          <p:cNvSpPr>
+            <a:spLocks noGrp="1"/>
+          </p:cNvSpPr>
+          <p:nvPr>
+            <p:ph type="ftr" sz="quarter" idx="4"/>
+          </p:nvPr>
+        </p:nvSpPr>
+        <p:spPr>
+          <a:xfrm>
+            <a:off x="0" y="10155238"/>
+            <a:ext cx="3276600" cy="536575"/>
+          </a:xfrm>
+          <a:prstGeom prst="rect">
+            <a:avLst/>
+          </a:prstGeom>
+        </p:spPr>
+        <p:txBody>
+          <a:bodyPr vert="horz" lIns="91440" tIns="45720" rIns="91440" bIns="45720" rtlCol="0" anchor="b"/>
+          <a:lstStyle>
+            <a:lvl1pPr algn="l">
+              <a:defRPr sz="1200"/>
+            </a:lvl1pPr>
+          </a:lstStyle>
+          <a:p>
+            <a:endParaRPr lang="ko-KR" altLang="en-US"/>
+          </a:p>
+        </p:txBody>
+      </p:sp>
+      <p:sp>
+        <p:nvSpPr>
+          <p:cNvPr id="7" name="슬라이드 번호 개체 틀 6"/>
+          <p:cNvSpPr>
+            <a:spLocks noGrp="1"/>
+          </p:cNvSpPr>
+          <p:nvPr>
+            <p:ph type="sldNum" sz="quarter" idx="5"/>
+          </p:nvPr>
+        </p:nvSpPr>
+        <p:spPr>
+          <a:xfrm>
+            <a:off x="4281488" y="10155238"/>
+            <a:ext cx="3276600" cy="536575"/>
+          </a:xfrm>
+          <a:prstGeom prst="rect">
+            <a:avLst/>
+          </a:prstGeom>
+        </p:spPr>
+        <p:txBody>
+          <a:bodyPr vert="horz" lIns="91440" tIns="45720" rIns="91440" bIns="45720" rtlCol="0" anchor="b"/>
+          <a:lstStyle>
+            <a:lvl1pPr algn="r">
+              <a:defRPr sz="1200"/>
+            </a:lvl1pPr>
+          </a:lstStyle>
+          <a:p>
+            <a:fld id="{5536397A-5A57-4EB3-B4EC-10F7EF8926B9}" type="slidenum">
+              <a:rPr lang="ko-KR" altLang="en-US" smtClean="0"/>
+              <a:t>‹#›</a:t>
+            </a:fld>
+            <a:endParaRPr lang="ko-KR" altLang="en-US"/>
+          </a:p>
+        </p:txBody>
+      </p:sp>
+    </p:spTree>
+    <p:extLst>
+      <p:ext uri="{BB962C8B-B14F-4D97-AF65-F5344CB8AC3E}">
+        <p14:creationId xmlns:p14="http://schemas.microsoft.com/office/powerpoint/2010/main" val="1833973189"/>
+      </p:ext>
+    </p:extLst>
+  </p:cSld>
+  <p:clrMap bg1="lt1" tx1="dk1" bg2="lt2" tx2="dk2" accent1="accent1" accent2="accent2" accent3="accent3" accent4="accent4" accent5="accent5" accent6="accent6" hlink="hlink" folHlink="folHlink"/>
+  <p:notesStyle>
+    <a:lvl1pPr marL="0" algn="l" defTabSz="914400" rtl="0" eaLnBrk="1" latinLnBrk="1" hangingPunct="1">
+      <a:defRPr sz="1200" kern="1200">
+        <a:solidFill>
+          <a:schemeClr val="tx1"/>
+        </a:solidFill>
+        <a:latin typeface="+mn-lt"/>
+        <a:ea typeface="+mn-ea"/>
+        <a:cs typeface="+mn-cs"/>
+      </a:defRPr>
+    </a:lvl1pPr>
+    <a:lvl2pPr marL="457200" algn="l" defTabSz="914400" rtl="0" eaLnBrk="1" latinLnBrk="1" hangingPunct="1">
+      <a:defRPr sz="1200" kern="1200">
+        <a:solidFill>
+          <a:schemeClr val="tx1"/>
+        </a:solidFill>
+        <a:latin typeface="+mn-lt"/>
+        <a:ea typeface="+mn-ea"/>
+        <a:cs typeface="+mn-cs"/>
+      </a:defRPr>
+    </a:lvl2pPr>
+    <a:lvl3pPr marL="914400" algn="l" defTabSz="914400" rtl="0" eaLnBrk="1" latinLnBrk="1" hangingPunct="1">
+      <a:defRPr sz="1200" kern="1200">
+        <a:solidFill>
+          <a:schemeClr val="tx1"/>
+        </a:solidFill>
+        <a:latin typeface="+mn-lt"/>
+        <a:ea typeface="+mn-ea"/>
+        <a:cs typeface="+mn-cs"/>
+      </a:defRPr>
+    </a:lvl3pPr>
+    <a:lvl4pPr marL="1371600" algn="l" defTabSz="914400" rtl="0" eaLnBrk="1" latinLnBrk="1" hangingPunct="1">
+      <a:defRPr sz="1200" kern="1200">
+        <a:solidFill>
+          <a:schemeClr val="tx1"/>
+        </a:solidFill>
+        <a:latin typeface="+mn-lt"/>
+        <a:ea typeface="+mn-ea"/>
+        <a:cs typeface="+mn-cs"/>
+      </a:defRPr>
+    </a:lvl4pPr>
+    <a:lvl5pPr marL="1828800" algn="l" defTabSz="914400" rtl="0" eaLnBrk="1" latinLnBrk="1" hangingPunct="1">
+      <a:defRPr sz="1200" kern="1200">
+        <a:solidFill>
+          <a:schemeClr val="tx1"/>
+        </a:solidFill>
+        <a:latin typeface="+mn-lt"/>
+        <a:ea typeface="+mn-ea"/>
+        <a:cs typeface="+mn-cs"/>
+      </a:defRPr>
+    </a:lvl5pPr>
+    <a:lvl6pPr marL="2286000" algn="l" defTabSz="914400" rtl="0" eaLnBrk="1" latinLnBrk="1" hangingPunct="1">
+      <a:defRPr sz="1200" kern="1200">
+        <a:solidFill>
+          <a:schemeClr val="tx1"/>
+        </a:solidFill>
+        <a:latin typeface="+mn-lt"/>
+        <a:ea typeface="+mn-ea"/>
+        <a:cs typeface="+mn-cs"/>
+      </a:defRPr>
+    </a:lvl6pPr>
+    <a:lvl7pPr marL="2743200" algn="l" defTabSz="914400" rtl="0" eaLnBrk="1" latinLnBrk="1" hangingPunct="1">
+      <a:defRPr sz="1200" kern="1200">
+        <a:solidFill>
+          <a:schemeClr val="tx1"/>
+        </a:solidFill>
+        <a:latin typeface="+mn-lt"/>
+        <a:ea typeface="+mn-ea"/>
+        <a:cs typeface="+mn-cs"/>
+      </a:defRPr>
+    </a:lvl7pPr>
+    <a:lvl8pPr marL="3200400" algn="l" defTabSz="914400" rtl="0" eaLnBrk="1" latinLnBrk="1" hangingPunct="1">
+      <a:defRPr sz="1200" kern="1200">
+        <a:solidFill>
+          <a:schemeClr val="tx1"/>
+        </a:solidFill>
+        <a:latin typeface="+mn-lt"/>
+        <a:ea typeface="+mn-ea"/>
+        <a:cs typeface="+mn-cs"/>
+      </a:defRPr>
+    </a:lvl8pPr>
+    <a:lvl9pPr marL="3657600" algn="l" defTabSz="914400" rtl="0" eaLnBrk="1" latinLnBrk="1" hangingPunct="1">
+      <a:defRPr sz="1200" kern="1200">
+        <a:solidFill>
+          <a:schemeClr val="tx1"/>
+        </a:solidFill>
+        <a:latin typeface="+mn-lt"/>
+        <a:ea typeface="+mn-ea"/>
+        <a:cs typeface="+mn-cs"/>
+      </a:defRPr>
+    </a:lvl9pPr>
+  </p:notesStyle>
+</p:notesMaster>
 </file>
 
 <file path=ppt/slideLayouts/slideLayout1.xml><?xml version="1.0" encoding="utf-8"?>
@@ -962,6 +1317,48 @@
           </a:p>
         </p:txBody>
       </p:sp>
+      <p:sp>
+        <p:nvSpPr>
+          <p:cNvPr id="4" name="PlaceHolder 5">
+            <a:extLst>
+              <a:ext uri="{FF2B5EF4-FFF2-40B4-BE49-F238E27FC236}">
+                <a16:creationId xmlns:a16="http://schemas.microsoft.com/office/drawing/2014/main" id="{9BA6A0A3-34F7-41C1-A151-4BDD586597D7}"/>
+              </a:ext>
+            </a:extLst>
+          </p:cNvPr>
+          <p:cNvSpPr>
+            <a:spLocks noGrp="1"/>
+          </p:cNvSpPr>
+          <p:nvPr>
+            <p:ph type="sldNum" idx="10"/>
+          </p:nvPr>
+        </p:nvSpPr>
+        <p:spPr>
+          <a:xfrm>
+            <a:off x="7227360" y="5165280"/>
+            <a:ext cx="2348280" cy="390600"/>
+          </a:xfrm>
+          <a:prstGeom prst="rect">
+            <a:avLst/>
+          </a:prstGeom>
+        </p:spPr>
+        <p:txBody>
+          <a:bodyPr lIns="0" tIns="0" rIns="0" bIns="0"/>
+          <a:lstStyle/>
+          <a:p>
+            <a:pPr algn="r"/>
+            <a:fld id="{4E22984F-3D1C-4FC0-B04F-DD7B6163E433}" type="slidenum">
+              <a:rPr lang="en-US" sz="1400" b="0" strike="noStrike" spc="-1">
+                <a:latin typeface="Times New Roman"/>
+              </a:rPr>
+              <a:t>‹#›</a:t>
+            </a:fld>
+            <a:endParaRPr lang="en-US" sz="1400" b="0" strike="noStrike" spc="-1" dirty="0">
+              <a:latin typeface="Times New Roman"/>
+            </a:endParaRPr>
+          </a:p>
+        </p:txBody>
+      </p:sp>
     </p:spTree>
   </p:cSld>
   <p:clrMapOvr>
@@ -1043,6 +1440,48 @@
           <a:lstStyle/>
           <a:p>
             <a:endParaRPr lang="en-US" sz="3200" b="0" strike="noStrike" spc="-1">
+              <a:latin typeface="Times New Roman"/>
+            </a:endParaRPr>
+          </a:p>
+        </p:txBody>
+      </p:sp>
+      <p:sp>
+        <p:nvSpPr>
+          <p:cNvPr id="4" name="PlaceHolder 5">
+            <a:extLst>
+              <a:ext uri="{FF2B5EF4-FFF2-40B4-BE49-F238E27FC236}">
+                <a16:creationId xmlns:a16="http://schemas.microsoft.com/office/drawing/2014/main" id="{1A1C85DC-9AEA-4328-9330-1E7AB531C870}"/>
+              </a:ext>
+            </a:extLst>
+          </p:cNvPr>
+          <p:cNvSpPr>
+            <a:spLocks noGrp="1"/>
+          </p:cNvSpPr>
+          <p:nvPr>
+            <p:ph type="sldNum" idx="10"/>
+          </p:nvPr>
+        </p:nvSpPr>
+        <p:spPr>
+          <a:xfrm>
+            <a:off x="7227360" y="5165280"/>
+            <a:ext cx="2348280" cy="390600"/>
+          </a:xfrm>
+          <a:prstGeom prst="rect">
+            <a:avLst/>
+          </a:prstGeom>
+        </p:spPr>
+        <p:txBody>
+          <a:bodyPr lIns="0" tIns="0" rIns="0" bIns="0"/>
+          <a:lstStyle/>
+          <a:p>
+            <a:pPr algn="r"/>
+            <a:fld id="{4E22984F-3D1C-4FC0-B04F-DD7B6163E433}" type="slidenum">
+              <a:rPr lang="en-US" sz="1400" b="0" strike="noStrike" spc="-1">
+                <a:latin typeface="Times New Roman"/>
+              </a:rPr>
+              <a:t>‹#›</a:t>
+            </a:fld>
+            <a:endParaRPr lang="en-US" sz="1400" b="0" strike="noStrike" spc="-1" dirty="0">
               <a:latin typeface="Times New Roman"/>
             </a:endParaRPr>
           </a:p>
@@ -2018,12 +2457,9 @@
           <a:bodyPr lIns="0" tIns="0" rIns="0" bIns="0"/>
           <a:lstStyle/>
           <a:p>
-            <a:r>
-              <a:rPr lang="en-US" sz="1400" b="0" strike="noStrike" spc="-1">
-                <a:latin typeface="Times New Roman"/>
-              </a:rPr>
-              <a:t>&lt;날짜/시간&gt;</a:t>
-            </a:r>
+            <a:endParaRPr lang="en-US" sz="1400" b="0" strike="noStrike" spc="-1">
+              <a:latin typeface="Times New Roman"/>
+            </a:endParaRPr>
           </a:p>
         </p:txBody>
       </p:sp>
@@ -2051,12 +2487,9 @@
           <a:lstStyle/>
           <a:p>
             <a:pPr algn="ctr"/>
-            <a:r>
-              <a:rPr lang="en-US" sz="1400" b="0" strike="noStrike" spc="-1">
-                <a:latin typeface="Times New Roman"/>
-              </a:rPr>
-              <a:t>&lt;바닥글&gt;</a:t>
-            </a:r>
+            <a:endParaRPr lang="en-US" sz="1400" b="0" strike="noStrike" spc="-1">
+              <a:latin typeface="Times New Roman"/>
+            </a:endParaRPr>
           </a:p>
         </p:txBody>
       </p:sp>
@@ -2090,7 +2523,7 @@
               </a:rPr>
               <a:t>‹#›</a:t>
             </a:fld>
-            <a:endParaRPr lang="en-US" sz="1400" b="0" strike="noStrike" spc="-1">
+            <a:endParaRPr lang="en-US" sz="1400" b="0" strike="noStrike" spc="-1" dirty="0">
               <a:latin typeface="Times New Roman"/>
             </a:endParaRPr>
           </a:p>
@@ -2113,6 +2546,7 @@
     <p:sldLayoutId id="2147483659" r:id="rId11"/>
     <p:sldLayoutId id="2147483660" r:id="rId12"/>
   </p:sldLayoutIdLst>
+  <p:hf hdr="0" ftr="0" dt="0"/>
   <p:txStyles>
     <p:titleStyle>
       <a:lvl1pPr algn="l" defTabSz="914400" rtl="0" eaLnBrk="1" latinLnBrk="1" hangingPunct="1">
@@ -2580,6 +3014,40 @@
           </a:p>
         </p:txBody>
       </p:sp>
+      <p:sp>
+        <p:nvSpPr>
+          <p:cNvPr id="3" name="슬라이드 번호 개체 틀 2">
+            <a:extLst>
+              <a:ext uri="{FF2B5EF4-FFF2-40B4-BE49-F238E27FC236}">
+                <a16:creationId xmlns:a16="http://schemas.microsoft.com/office/drawing/2014/main" id="{C5391314-2766-4643-9810-38414AF86F50}"/>
+              </a:ext>
+            </a:extLst>
+          </p:cNvPr>
+          <p:cNvSpPr>
+            <a:spLocks noGrp="1"/>
+          </p:cNvSpPr>
+          <p:nvPr>
+            <p:ph type="sldNum" idx="10"/>
+          </p:nvPr>
+        </p:nvSpPr>
+        <p:spPr/>
+        <p:txBody>
+          <a:bodyPr/>
+          <a:lstStyle/>
+          <a:p>
+            <a:pPr algn="r"/>
+            <a:fld id="{4E22984F-3D1C-4FC0-B04F-DD7B6163E433}" type="slidenum">
+              <a:rPr lang="en-US" sz="1400" b="0" strike="noStrike" spc="-1" smtClean="0">
+                <a:latin typeface="Times New Roman"/>
+              </a:rPr>
+              <a:t>1</a:t>
+            </a:fld>
+            <a:endParaRPr lang="en-US" sz="1400" b="0" strike="noStrike" spc="-1" dirty="0">
+              <a:latin typeface="Times New Roman"/>
+            </a:endParaRPr>
+          </a:p>
+        </p:txBody>
+      </p:sp>
     </p:spTree>
   </p:cSld>
   <p:clrMapOvr>
@@ -2946,6 +3414,40 @@
               <a:t>일정</a:t>
             </a:r>
             <a:endParaRPr lang="en-US" sz="2800" b="0" strike="noStrike" spc="-1" dirty="0">
+              <a:latin typeface="Times New Roman"/>
+            </a:endParaRPr>
+          </a:p>
+        </p:txBody>
+      </p:sp>
+      <p:sp>
+        <p:nvSpPr>
+          <p:cNvPr id="2" name="슬라이드 번호 개체 틀 1">
+            <a:extLst>
+              <a:ext uri="{FF2B5EF4-FFF2-40B4-BE49-F238E27FC236}">
+                <a16:creationId xmlns:a16="http://schemas.microsoft.com/office/drawing/2014/main" id="{9DBC9028-39E1-47C7-8AAE-37E220FA9538}"/>
+              </a:ext>
+            </a:extLst>
+          </p:cNvPr>
+          <p:cNvSpPr>
+            <a:spLocks noGrp="1"/>
+          </p:cNvSpPr>
+          <p:nvPr>
+            <p:ph type="sldNum" idx="10"/>
+          </p:nvPr>
+        </p:nvSpPr>
+        <p:spPr/>
+        <p:txBody>
+          <a:bodyPr/>
+          <a:lstStyle/>
+          <a:p>
+            <a:pPr algn="r"/>
+            <a:fld id="{4E22984F-3D1C-4FC0-B04F-DD7B6163E433}" type="slidenum">
+              <a:rPr lang="en-US" sz="1400" b="0" strike="noStrike" spc="-1" smtClean="0">
+                <a:latin typeface="Times New Roman"/>
+              </a:rPr>
+              <a:t>2</a:t>
+            </a:fld>
+            <a:endParaRPr lang="en-US" sz="1400" b="0" strike="noStrike" spc="-1" dirty="0">
               <a:latin typeface="Times New Roman"/>
             </a:endParaRPr>
           </a:p>
@@ -3792,6 +4294,40 @@
             <a:endParaRPr lang="en-US" sz="1800" b="0" strike="noStrike" spc="-1" dirty="0">
               <a:latin typeface="맑은 고딕" panose="020B0503020000020004" pitchFamily="50" charset="-127"/>
               <a:ea typeface="맑은 고딕" panose="020B0503020000020004" pitchFamily="50" charset="-127"/>
+            </a:endParaRPr>
+          </a:p>
+        </p:txBody>
+      </p:sp>
+      <p:sp>
+        <p:nvSpPr>
+          <p:cNvPr id="2" name="슬라이드 번호 개체 틀 1">
+            <a:extLst>
+              <a:ext uri="{FF2B5EF4-FFF2-40B4-BE49-F238E27FC236}">
+                <a16:creationId xmlns:a16="http://schemas.microsoft.com/office/drawing/2014/main" id="{5CD79C9F-4930-4896-AB47-5EF53BA98672}"/>
+              </a:ext>
+            </a:extLst>
+          </p:cNvPr>
+          <p:cNvSpPr>
+            <a:spLocks noGrp="1"/>
+          </p:cNvSpPr>
+          <p:nvPr>
+            <p:ph type="sldNum" idx="10"/>
+          </p:nvPr>
+        </p:nvSpPr>
+        <p:spPr/>
+        <p:txBody>
+          <a:bodyPr/>
+          <a:lstStyle/>
+          <a:p>
+            <a:pPr algn="r"/>
+            <a:fld id="{4E22984F-3D1C-4FC0-B04F-DD7B6163E433}" type="slidenum">
+              <a:rPr lang="en-US" sz="1400" b="0" strike="noStrike" spc="-1" smtClean="0">
+                <a:latin typeface="Times New Roman"/>
+              </a:rPr>
+              <a:t>3</a:t>
+            </a:fld>
+            <a:endParaRPr lang="en-US" sz="1400" b="0" strike="noStrike" spc="-1" dirty="0">
+              <a:latin typeface="Times New Roman"/>
             </a:endParaRPr>
           </a:p>
         </p:txBody>
@@ -4357,6 +4893,40 @@
           </a:graphicData>
         </a:graphic>
       </p:graphicFrame>
+      <p:sp>
+        <p:nvSpPr>
+          <p:cNvPr id="3" name="슬라이드 번호 개체 틀 2">
+            <a:extLst>
+              <a:ext uri="{FF2B5EF4-FFF2-40B4-BE49-F238E27FC236}">
+                <a16:creationId xmlns:a16="http://schemas.microsoft.com/office/drawing/2014/main" id="{40C8A8AD-DC25-425F-A9BF-53B1A6789836}"/>
+              </a:ext>
+            </a:extLst>
+          </p:cNvPr>
+          <p:cNvSpPr>
+            <a:spLocks noGrp="1"/>
+          </p:cNvSpPr>
+          <p:nvPr>
+            <p:ph type="sldNum" idx="10"/>
+          </p:nvPr>
+        </p:nvSpPr>
+        <p:spPr/>
+        <p:txBody>
+          <a:bodyPr/>
+          <a:lstStyle/>
+          <a:p>
+            <a:pPr algn="r"/>
+            <a:fld id="{4E22984F-3D1C-4FC0-B04F-DD7B6163E433}" type="slidenum">
+              <a:rPr lang="en-US" sz="1400" b="0" strike="noStrike" spc="-1" smtClean="0">
+                <a:latin typeface="Times New Roman"/>
+              </a:rPr>
+              <a:t>4</a:t>
+            </a:fld>
+            <a:endParaRPr lang="en-US" sz="1400" b="0" strike="noStrike" spc="-1" dirty="0">
+              <a:latin typeface="Times New Roman"/>
+            </a:endParaRPr>
+          </a:p>
+        </p:txBody>
+      </p:sp>
     </p:spTree>
   </p:cSld>
   <p:clrMapOvr>
@@ -5486,6 +6056,40 @@
           </a:p>
         </p:txBody>
       </p:sp>
+      <p:sp>
+        <p:nvSpPr>
+          <p:cNvPr id="3" name="슬라이드 번호 개체 틀 2">
+            <a:extLst>
+              <a:ext uri="{FF2B5EF4-FFF2-40B4-BE49-F238E27FC236}">
+                <a16:creationId xmlns:a16="http://schemas.microsoft.com/office/drawing/2014/main" id="{FFDF7F8B-89CB-41AA-8405-49678592B020}"/>
+              </a:ext>
+            </a:extLst>
+          </p:cNvPr>
+          <p:cNvSpPr>
+            <a:spLocks noGrp="1"/>
+          </p:cNvSpPr>
+          <p:nvPr>
+            <p:ph type="sldNum" idx="10"/>
+          </p:nvPr>
+        </p:nvSpPr>
+        <p:spPr/>
+        <p:txBody>
+          <a:bodyPr/>
+          <a:lstStyle/>
+          <a:p>
+            <a:pPr algn="r"/>
+            <a:fld id="{4E22984F-3D1C-4FC0-B04F-DD7B6163E433}" type="slidenum">
+              <a:rPr lang="en-US" sz="1400" b="0" strike="noStrike" spc="-1" smtClean="0">
+                <a:latin typeface="Times New Roman"/>
+              </a:rPr>
+              <a:t>5</a:t>
+            </a:fld>
+            <a:endParaRPr lang="en-US" sz="1400" b="0" strike="noStrike" spc="-1" dirty="0">
+              <a:latin typeface="Times New Roman"/>
+            </a:endParaRPr>
+          </a:p>
+        </p:txBody>
+      </p:sp>
     </p:spTree>
   </p:cSld>
   <p:clrMapOvr>
@@ -6277,6 +6881,40 @@
           </a:p>
         </p:txBody>
       </p:sp>
+      <p:sp>
+        <p:nvSpPr>
+          <p:cNvPr id="3" name="슬라이드 번호 개체 틀 2">
+            <a:extLst>
+              <a:ext uri="{FF2B5EF4-FFF2-40B4-BE49-F238E27FC236}">
+                <a16:creationId xmlns:a16="http://schemas.microsoft.com/office/drawing/2014/main" id="{A803E949-0E7E-4F8B-A254-555B97CC76E1}"/>
+              </a:ext>
+            </a:extLst>
+          </p:cNvPr>
+          <p:cNvSpPr>
+            <a:spLocks noGrp="1"/>
+          </p:cNvSpPr>
+          <p:nvPr>
+            <p:ph type="sldNum" idx="10"/>
+          </p:nvPr>
+        </p:nvSpPr>
+        <p:spPr/>
+        <p:txBody>
+          <a:bodyPr/>
+          <a:lstStyle/>
+          <a:p>
+            <a:pPr algn="r"/>
+            <a:fld id="{4E22984F-3D1C-4FC0-B04F-DD7B6163E433}" type="slidenum">
+              <a:rPr lang="en-US" sz="1400" b="0" strike="noStrike" spc="-1" smtClean="0">
+                <a:latin typeface="Times New Roman"/>
+              </a:rPr>
+              <a:t>6</a:t>
+            </a:fld>
+            <a:endParaRPr lang="en-US" sz="1400" b="0" strike="noStrike" spc="-1" dirty="0">
+              <a:latin typeface="Times New Roman"/>
+            </a:endParaRPr>
+          </a:p>
+        </p:txBody>
+      </p:sp>
     </p:spTree>
     <p:extLst>
       <p:ext uri="{BB962C8B-B14F-4D97-AF65-F5344CB8AC3E}">
@@ -6354,186 +6992,302 @@
             <p:ph type="body"/>
           </p:nvPr>
         </p:nvSpPr>
-        <p:spPr/>
+        <p:spPr>
+          <a:xfrm>
+            <a:off x="504000" y="1043836"/>
+            <a:ext cx="9071640" cy="3825530"/>
+          </a:xfrm>
+        </p:spPr>
         <p:txBody>
           <a:bodyPr>
-            <a:normAutofit lnSpcReduction="10000"/>
+            <a:normAutofit fontScale="85000" lnSpcReduction="20000"/>
           </a:bodyPr>
           <a:lstStyle/>
           <a:p>
-            <a:r>
-              <a:rPr lang="ko-KR" altLang="en-US" dirty="0">
+            <a:pPr marL="571500" indent="-571500">
+              <a:lnSpc>
+                <a:spcPct val="150000"/>
+              </a:lnSpc>
+              <a:buFont typeface="Arial" panose="020B0604020202020204" pitchFamily="34" charset="0"/>
+              <a:buChar char="•"/>
+            </a:pPr>
+            <a:r>
+              <a:rPr lang="ko-KR" altLang="en-US" sz="3600" dirty="0">
                 <a:latin typeface="맑은 고딕" panose="020B0503020000020004" pitchFamily="50" charset="-127"/>
                 <a:ea typeface="맑은 고딕" panose="020B0503020000020004" pitchFamily="50" charset="-127"/>
               </a:rPr>
               <a:t>표적 시장 정의 명확화</a:t>
             </a:r>
-            <a:endParaRPr lang="en-US" altLang="ko-KR" dirty="0">
+            <a:endParaRPr lang="en-US" altLang="ko-KR" sz="3600" dirty="0">
               <a:latin typeface="맑은 고딕" panose="020B0503020000020004" pitchFamily="50" charset="-127"/>
               <a:ea typeface="맑은 고딕" panose="020B0503020000020004" pitchFamily="50" charset="-127"/>
             </a:endParaRPr>
           </a:p>
           <a:p>
-            <a:pPr lvl="1"/>
-            <a:r>
-              <a:rPr lang="ko-KR" altLang="en-US" dirty="0">
+            <a:pPr marL="571500" lvl="1" indent="-571500">
+              <a:lnSpc>
+                <a:spcPct val="150000"/>
+              </a:lnSpc>
+              <a:buFont typeface="Arial" panose="020B0604020202020204" pitchFamily="34" charset="0"/>
+              <a:buChar char="•"/>
+            </a:pPr>
+            <a:r>
+              <a:rPr lang="ko-KR" altLang="en-US" sz="1600" dirty="0">
                 <a:latin typeface="맑은 고딕" panose="020B0503020000020004" pitchFamily="50" charset="-127"/>
                 <a:ea typeface="맑은 고딕" panose="020B0503020000020004" pitchFamily="50" charset="-127"/>
               </a:rPr>
               <a:t>대규모의 매장 규모를 가진 소매점</a:t>
             </a:r>
-            <a:endParaRPr lang="en-US" altLang="ko-KR" dirty="0">
+            <a:endParaRPr lang="en-US" altLang="ko-KR" sz="1600" dirty="0">
               <a:latin typeface="맑은 고딕" panose="020B0503020000020004" pitchFamily="50" charset="-127"/>
               <a:ea typeface="맑은 고딕" panose="020B0503020000020004" pitchFamily="50" charset="-127"/>
             </a:endParaRPr>
           </a:p>
           <a:p>
-            <a:r>
-              <a:rPr lang="ko-KR" altLang="en-US" dirty="0">
-                <a:latin typeface="맑은 고딕" panose="020B0503020000020004" pitchFamily="50" charset="-127"/>
-                <a:ea typeface="맑은 고딕" panose="020B0503020000020004" pitchFamily="50" charset="-127"/>
-              </a:rPr>
-              <a:t>프로젝트 진행 계획</a:t>
-            </a:r>
-            <a:endParaRPr lang="en-US" altLang="ko-KR" dirty="0">
+            <a:pPr marL="571500" lvl="1" indent="-571500">
+              <a:lnSpc>
+                <a:spcPct val="150000"/>
+              </a:lnSpc>
+              <a:buFont typeface="Arial" panose="020B0604020202020204" pitchFamily="34" charset="0"/>
+              <a:buChar char="•"/>
+            </a:pPr>
+            <a:endParaRPr lang="en-US" altLang="ko-KR" sz="1400" dirty="0">
               <a:latin typeface="맑은 고딕" panose="020B0503020000020004" pitchFamily="50" charset="-127"/>
               <a:ea typeface="맑은 고딕" panose="020B0503020000020004" pitchFamily="50" charset="-127"/>
             </a:endParaRPr>
           </a:p>
           <a:p>
-            <a:pPr lvl="1"/>
-            <a:r>
-              <a:rPr lang="ko-KR" altLang="en-US" dirty="0">
+            <a:pPr marL="571500" indent="-571500">
+              <a:lnSpc>
+                <a:spcPct val="150000"/>
+              </a:lnSpc>
+              <a:buFont typeface="Arial" panose="020B0604020202020204" pitchFamily="34" charset="0"/>
+              <a:buChar char="•"/>
+            </a:pPr>
+            <a:r>
+              <a:rPr lang="ko-KR" altLang="en-US" sz="3600" dirty="0">
                 <a:latin typeface="맑은 고딕" panose="020B0503020000020004" pitchFamily="50" charset="-127"/>
                 <a:ea typeface="맑은 고딕" panose="020B0503020000020004" pitchFamily="50" charset="-127"/>
               </a:rPr>
-              <a:t>평일</a:t>
-            </a:r>
-            <a:r>
-              <a:rPr lang="en-US" altLang="ko-KR" dirty="0">
-                <a:latin typeface="맑은 고딕" panose="020B0503020000020004" pitchFamily="50" charset="-127"/>
-                <a:ea typeface="맑은 고딕" panose="020B0503020000020004" pitchFamily="50" charset="-127"/>
-              </a:rPr>
-              <a:t>: </a:t>
-            </a:r>
-            <a:r>
-              <a:rPr lang="ko-KR" altLang="en-US" dirty="0">
-                <a:latin typeface="맑은 고딕" panose="020B0503020000020004" pitchFamily="50" charset="-127"/>
-                <a:ea typeface="맑은 고딕" panose="020B0503020000020004" pitchFamily="50" charset="-127"/>
-              </a:rPr>
-              <a:t>각자 맡은 부분을 프로그래밍</a:t>
-            </a:r>
-            <a:endParaRPr lang="en-US" altLang="ko-KR" dirty="0">
+              <a:t>프로젝트 진행 계획</a:t>
+            </a:r>
+            <a:endParaRPr lang="en-US" altLang="ko-KR" sz="3600" dirty="0">
               <a:latin typeface="맑은 고딕" panose="020B0503020000020004" pitchFamily="50" charset="-127"/>
               <a:ea typeface="맑은 고딕" panose="020B0503020000020004" pitchFamily="50" charset="-127"/>
             </a:endParaRPr>
           </a:p>
           <a:p>
-            <a:pPr lvl="1"/>
-            <a:r>
-              <a:rPr lang="ko-KR" altLang="en-US" dirty="0">
+            <a:pPr marL="285750" lvl="1" indent="-285750">
+              <a:lnSpc>
+                <a:spcPct val="150000"/>
+              </a:lnSpc>
+              <a:buFont typeface="Arial" panose="020B0604020202020204" pitchFamily="34" charset="0"/>
+              <a:buChar char="•"/>
+            </a:pPr>
+            <a:r>
+              <a:rPr lang="ko-KR" altLang="en-US" sz="1600" dirty="0">
                 <a:latin typeface="맑은 고딕" panose="020B0503020000020004" pitchFamily="50" charset="-127"/>
                 <a:ea typeface="맑은 고딕" panose="020B0503020000020004" pitchFamily="50" charset="-127"/>
               </a:rPr>
-              <a:t>주말</a:t>
-            </a:r>
-            <a:r>
-              <a:rPr lang="en-US" altLang="ko-KR" dirty="0">
+              <a:t>평일</a:t>
+            </a:r>
+            <a:r>
+              <a:rPr lang="en-US" altLang="ko-KR" sz="1600" dirty="0">
                 <a:latin typeface="맑은 고딕" panose="020B0503020000020004" pitchFamily="50" charset="-127"/>
                 <a:ea typeface="맑은 고딕" panose="020B0503020000020004" pitchFamily="50" charset="-127"/>
               </a:rPr>
               <a:t>: </a:t>
             </a:r>
             <a:r>
-              <a:rPr lang="ko-KR" altLang="en-US" dirty="0">
+              <a:rPr lang="ko-KR" altLang="en-US" sz="1600" dirty="0">
                 <a:latin typeface="맑은 고딕" panose="020B0503020000020004" pitchFamily="50" charset="-127"/>
                 <a:ea typeface="맑은 고딕" panose="020B0503020000020004" pitchFamily="50" charset="-127"/>
               </a:rPr>
-              <a:t>개발 중 이슈 토의 </a:t>
-            </a:r>
-            <a:endParaRPr lang="en-US" altLang="ko-KR" dirty="0">
+              <a:t>각자 맡은 부분을 프로그래밍</a:t>
+            </a:r>
+            <a:endParaRPr lang="en-US" altLang="ko-KR" sz="1600" dirty="0">
               <a:latin typeface="맑은 고딕" panose="020B0503020000020004" pitchFamily="50" charset="-127"/>
               <a:ea typeface="맑은 고딕" panose="020B0503020000020004" pitchFamily="50" charset="-127"/>
             </a:endParaRPr>
           </a:p>
           <a:p>
-            <a:pPr lvl="1"/>
-            <a:r>
-              <a:rPr lang="ko-KR" altLang="en-US" dirty="0">
+            <a:pPr marL="285750" lvl="1" indent="-285750">
+              <a:lnSpc>
+                <a:spcPct val="150000"/>
+              </a:lnSpc>
+              <a:buFont typeface="Arial" panose="020B0604020202020204" pitchFamily="34" charset="0"/>
+              <a:buChar char="•"/>
+            </a:pPr>
+            <a:r>
+              <a:rPr lang="ko-KR" altLang="en-US" sz="1600" dirty="0">
                 <a:latin typeface="맑은 고딕" panose="020B0503020000020004" pitchFamily="50" charset="-127"/>
                 <a:ea typeface="맑은 고딕" panose="020B0503020000020004" pitchFamily="50" charset="-127"/>
               </a:rPr>
-              <a:t>정보기술에 생소한 업주를 위한 편리한 </a:t>
-            </a:r>
-            <a:r>
-              <a:rPr lang="en-US" altLang="ko-KR" dirty="0">
+              <a:t>주말</a:t>
+            </a:r>
+            <a:r>
+              <a:rPr lang="en-US" altLang="ko-KR" sz="1600" dirty="0">
                 <a:latin typeface="맑은 고딕" panose="020B0503020000020004" pitchFamily="50" charset="-127"/>
                 <a:ea typeface="맑은 고딕" panose="020B0503020000020004" pitchFamily="50" charset="-127"/>
               </a:rPr>
-              <a:t>UI </a:t>
-            </a:r>
-            <a:r>
-              <a:rPr lang="ko-KR" altLang="en-US" dirty="0">
+              <a:t>: </a:t>
+            </a:r>
+            <a:r>
+              <a:rPr lang="ko-KR" altLang="en-US" sz="1600" dirty="0">
                 <a:latin typeface="맑은 고딕" panose="020B0503020000020004" pitchFamily="50" charset="-127"/>
                 <a:ea typeface="맑은 고딕" panose="020B0503020000020004" pitchFamily="50" charset="-127"/>
               </a:rPr>
-              <a:t>제공 예정</a:t>
-            </a:r>
-            <a:endParaRPr lang="en-US" altLang="ko-KR" dirty="0">
+              <a:t>개발 중 이슈 토의 </a:t>
+            </a:r>
+            <a:endParaRPr lang="en-US" altLang="ko-KR" sz="1600" dirty="0">
               <a:latin typeface="맑은 고딕" panose="020B0503020000020004" pitchFamily="50" charset="-127"/>
               <a:ea typeface="맑은 고딕" panose="020B0503020000020004" pitchFamily="50" charset="-127"/>
             </a:endParaRPr>
           </a:p>
           <a:p>
-            <a:r>
-              <a:rPr lang="ko-KR" altLang="en-US" dirty="0">
+            <a:pPr marL="285750" lvl="1" indent="-285750">
+              <a:lnSpc>
+                <a:spcPct val="150000"/>
+              </a:lnSpc>
+              <a:buFont typeface="Arial" panose="020B0604020202020204" pitchFamily="34" charset="0"/>
+              <a:buChar char="•"/>
+            </a:pPr>
+            <a:r>
+              <a:rPr lang="ko-KR" altLang="en-US" sz="1600" dirty="0">
                 <a:latin typeface="맑은 고딕" panose="020B0503020000020004" pitchFamily="50" charset="-127"/>
                 <a:ea typeface="맑은 고딕" panose="020B0503020000020004" pitchFamily="50" charset="-127"/>
               </a:rPr>
-              <a:t>문서 작성 양식의 일관성</a:t>
-            </a:r>
-            <a:endParaRPr lang="en-US" altLang="ko-KR" dirty="0">
+              <a:t>정보기술에 생소한 업주를 위한 편리한 </a:t>
+            </a:r>
+            <a:r>
+              <a:rPr lang="en-US" altLang="ko-KR" sz="1600" dirty="0">
+                <a:latin typeface="맑은 고딕" panose="020B0503020000020004" pitchFamily="50" charset="-127"/>
+                <a:ea typeface="맑은 고딕" panose="020B0503020000020004" pitchFamily="50" charset="-127"/>
+              </a:rPr>
+              <a:t>UI </a:t>
+            </a:r>
+            <a:r>
+              <a:rPr lang="ko-KR" altLang="en-US" sz="1600" dirty="0">
+                <a:latin typeface="맑은 고딕" panose="020B0503020000020004" pitchFamily="50" charset="-127"/>
+                <a:ea typeface="맑은 고딕" panose="020B0503020000020004" pitchFamily="50" charset="-127"/>
+              </a:rPr>
+              <a:t>제공 예정</a:t>
+            </a:r>
+            <a:endParaRPr lang="en-US" altLang="ko-KR" sz="1600" dirty="0">
               <a:latin typeface="맑은 고딕" panose="020B0503020000020004" pitchFamily="50" charset="-127"/>
               <a:ea typeface="맑은 고딕" panose="020B0503020000020004" pitchFamily="50" charset="-127"/>
             </a:endParaRPr>
           </a:p>
           <a:p>
-            <a:pPr lvl="1"/>
-            <a:r>
-              <a:rPr lang="ko-KR" altLang="en-US" dirty="0">
+            <a:pPr marL="285750" lvl="1" indent="-285750">
+              <a:lnSpc>
+                <a:spcPct val="150000"/>
+              </a:lnSpc>
+              <a:buFont typeface="Arial" panose="020B0604020202020204" pitchFamily="34" charset="0"/>
+              <a:buChar char="•"/>
+            </a:pPr>
+            <a:endParaRPr lang="en-US" altLang="ko-KR" sz="1600" dirty="0">
+              <a:latin typeface="맑은 고딕" panose="020B0503020000020004" pitchFamily="50" charset="-127"/>
+              <a:ea typeface="맑은 고딕" panose="020B0503020000020004" pitchFamily="50" charset="-127"/>
+            </a:endParaRPr>
+          </a:p>
+          <a:p>
+            <a:pPr marL="571500" indent="-571500">
+              <a:lnSpc>
+                <a:spcPct val="150000"/>
+              </a:lnSpc>
+              <a:buFont typeface="Arial" panose="020B0604020202020204" pitchFamily="34" charset="0"/>
+              <a:buChar char="•"/>
+            </a:pPr>
+            <a:r>
+              <a:rPr lang="ko-KR" altLang="en-US" sz="3600" dirty="0">
                 <a:latin typeface="맑은 고딕" panose="020B0503020000020004" pitchFamily="50" charset="-127"/>
                 <a:ea typeface="맑은 고딕" panose="020B0503020000020004" pitchFamily="50" charset="-127"/>
               </a:rPr>
-              <a:t>고유 명사</a:t>
-            </a:r>
-            <a:r>
-              <a:rPr lang="en-US" altLang="ko-KR" dirty="0">
+              <a:t>문서 작성 양식의 일관성</a:t>
+            </a:r>
+            <a:endParaRPr lang="en-US" altLang="ko-KR" sz="3600" dirty="0">
+              <a:latin typeface="맑은 고딕" panose="020B0503020000020004" pitchFamily="50" charset="-127"/>
+              <a:ea typeface="맑은 고딕" panose="020B0503020000020004" pitchFamily="50" charset="-127"/>
+            </a:endParaRPr>
+          </a:p>
+          <a:p>
+            <a:pPr marL="285750" lvl="1" indent="-285750">
+              <a:lnSpc>
+                <a:spcPct val="150000"/>
+              </a:lnSpc>
+              <a:buFont typeface="Arial" panose="020B0604020202020204" pitchFamily="34" charset="0"/>
+              <a:buChar char="•"/>
+            </a:pPr>
+            <a:r>
+              <a:rPr lang="ko-KR" altLang="en-US" sz="1600" dirty="0">
                 <a:latin typeface="맑은 고딕" panose="020B0503020000020004" pitchFamily="50" charset="-127"/>
                 <a:ea typeface="맑은 고딕" panose="020B0503020000020004" pitchFamily="50" charset="-127"/>
               </a:rPr>
-              <a:t>(ex. GitHub </a:t>
-            </a:r>
-            <a:r>
-              <a:rPr lang="ko-KR" altLang="en-US" dirty="0">
+              <a:t>고유 명사</a:t>
+            </a:r>
+            <a:r>
+              <a:rPr lang="en-US" altLang="ko-KR" sz="1600" dirty="0">
                 <a:latin typeface="맑은 고딕" panose="020B0503020000020004" pitchFamily="50" charset="-127"/>
                 <a:ea typeface="맑은 고딕" panose="020B0503020000020004" pitchFamily="50" charset="-127"/>
               </a:rPr>
-              <a:t>등</a:t>
-            </a:r>
-            <a:r>
-              <a:rPr lang="en-US" altLang="ko-KR" dirty="0">
+              <a:t>(ex. GitHub </a:t>
+            </a:r>
+            <a:r>
+              <a:rPr lang="ko-KR" altLang="en-US" sz="1600" dirty="0">
                 <a:latin typeface="맑은 고딕" panose="020B0503020000020004" pitchFamily="50" charset="-127"/>
                 <a:ea typeface="맑은 고딕" panose="020B0503020000020004" pitchFamily="50" charset="-127"/>
               </a:rPr>
-              <a:t>) </a:t>
-            </a:r>
-            <a:r>
-              <a:rPr lang="ko-KR" altLang="en-US" dirty="0">
+              <a:t>등</a:t>
+            </a:r>
+            <a:r>
+              <a:rPr lang="en-US" altLang="ko-KR" sz="1600" dirty="0">
                 <a:latin typeface="맑은 고딕" panose="020B0503020000020004" pitchFamily="50" charset="-127"/>
                 <a:ea typeface="맑은 고딕" panose="020B0503020000020004" pitchFamily="50" charset="-127"/>
               </a:rPr>
+              <a:t>) </a:t>
+            </a:r>
+            <a:r>
+              <a:rPr lang="ko-KR" altLang="en-US" sz="1600" dirty="0">
+                <a:latin typeface="맑은 고딕" panose="020B0503020000020004" pitchFamily="50" charset="-127"/>
+                <a:ea typeface="맑은 고딕" panose="020B0503020000020004" pitchFamily="50" charset="-127"/>
+              </a:rPr>
               <a:t>정확히 표기 예정</a:t>
             </a:r>
+          </a:p>
+        </p:txBody>
+      </p:sp>
+      <p:sp>
+        <p:nvSpPr>
+          <p:cNvPr id="4" name="슬라이드 번호 개체 틀 3">
+            <a:extLst>
+              <a:ext uri="{FF2B5EF4-FFF2-40B4-BE49-F238E27FC236}">
+                <a16:creationId xmlns:a16="http://schemas.microsoft.com/office/drawing/2014/main" id="{FACF90D1-D02F-4BD5-9CD5-B89DAABC0402}"/>
+              </a:ext>
+            </a:extLst>
+          </p:cNvPr>
+          <p:cNvSpPr>
+            <a:spLocks noGrp="1"/>
+          </p:cNvSpPr>
+          <p:nvPr>
+            <p:ph type="sldNum" idx="10"/>
+          </p:nvPr>
+        </p:nvSpPr>
+        <p:spPr/>
+        <p:txBody>
+          <a:bodyPr/>
+          <a:lstStyle/>
+          <a:p>
+            <a:pPr algn="r"/>
+            <a:fld id="{4E22984F-3D1C-4FC0-B04F-DD7B6163E433}" type="slidenum">
+              <a:rPr lang="en-US" sz="1400" b="0" strike="noStrike" spc="-1" smtClean="0">
+                <a:latin typeface="Times New Roman"/>
+              </a:rPr>
+              <a:t>7</a:t>
+            </a:fld>
+            <a:endParaRPr lang="en-US" sz="1400" b="0" strike="noStrike" spc="-1" dirty="0">
+              <a:latin typeface="Times New Roman"/>
+            </a:endParaRPr>
           </a:p>
         </p:txBody>
       </p:sp>
@@ -7815,6 +8569,40 @@
           </a:p>
         </p:txBody>
       </p:sp>
+      <p:sp>
+        <p:nvSpPr>
+          <p:cNvPr id="3" name="슬라이드 번호 개체 틀 2">
+            <a:extLst>
+              <a:ext uri="{FF2B5EF4-FFF2-40B4-BE49-F238E27FC236}">
+                <a16:creationId xmlns:a16="http://schemas.microsoft.com/office/drawing/2014/main" id="{79465568-A0BA-49E3-964A-048F6F752B34}"/>
+              </a:ext>
+            </a:extLst>
+          </p:cNvPr>
+          <p:cNvSpPr>
+            <a:spLocks noGrp="1"/>
+          </p:cNvSpPr>
+          <p:nvPr>
+            <p:ph type="sldNum" idx="10"/>
+          </p:nvPr>
+        </p:nvSpPr>
+        <p:spPr/>
+        <p:txBody>
+          <a:bodyPr/>
+          <a:lstStyle/>
+          <a:p>
+            <a:pPr algn="r"/>
+            <a:fld id="{4E22984F-3D1C-4FC0-B04F-DD7B6163E433}" type="slidenum">
+              <a:rPr lang="en-US" sz="1400" b="0" strike="noStrike" spc="-1" smtClean="0">
+                <a:latin typeface="Times New Roman"/>
+              </a:rPr>
+              <a:t>8</a:t>
+            </a:fld>
+            <a:endParaRPr lang="en-US" sz="1400" b="0" strike="noStrike" spc="-1" dirty="0">
+              <a:latin typeface="Times New Roman"/>
+            </a:endParaRPr>
+          </a:p>
+        </p:txBody>
+      </p:sp>
     </p:spTree>
     <p:extLst>
       <p:ext uri="{BB962C8B-B14F-4D97-AF65-F5344CB8AC3E}">
@@ -7892,7 +8680,7 @@
         </p:nvSpPr>
         <p:spPr bwMode="auto">
           <a:xfrm>
-            <a:off x="4010673" y="1288667"/>
+            <a:off x="4010673" y="1162995"/>
             <a:ext cx="5842000" cy="9525"/>
           </a:xfrm>
           <a:prstGeom prst="line">
@@ -7944,7 +8732,7 @@
         </p:nvSpPr>
         <p:spPr bwMode="blackWhite">
           <a:xfrm>
-            <a:off x="4024960" y="1602993"/>
+            <a:off x="4024960" y="1477321"/>
             <a:ext cx="450850" cy="3657600"/>
           </a:xfrm>
           <a:prstGeom prst="rect">
@@ -8087,7 +8875,7 @@
         </p:nvSpPr>
         <p:spPr bwMode="blackWhite">
           <a:xfrm>
-            <a:off x="4475810" y="1602993"/>
+            <a:off x="4475810" y="1477321"/>
             <a:ext cx="449263" cy="3657600"/>
           </a:xfrm>
           <a:prstGeom prst="rect">
@@ -8230,7 +9018,7 @@
         </p:nvSpPr>
         <p:spPr bwMode="blackWhite">
           <a:xfrm>
-            <a:off x="4925073" y="1602993"/>
+            <a:off x="4925073" y="1477321"/>
             <a:ext cx="450850" cy="3657600"/>
           </a:xfrm>
           <a:prstGeom prst="rect">
@@ -8373,7 +9161,7 @@
         </p:nvSpPr>
         <p:spPr bwMode="blackWhite">
           <a:xfrm>
-            <a:off x="5375923" y="1602993"/>
+            <a:off x="5375923" y="1477321"/>
             <a:ext cx="449262" cy="3657600"/>
           </a:xfrm>
           <a:prstGeom prst="rect">
@@ -8516,7 +9304,7 @@
         </p:nvSpPr>
         <p:spPr bwMode="blackWhite">
           <a:xfrm>
-            <a:off x="5825185" y="1602993"/>
+            <a:off x="5825185" y="1477321"/>
             <a:ext cx="450850" cy="3657600"/>
           </a:xfrm>
           <a:prstGeom prst="rect">
@@ -8659,7 +9447,7 @@
         </p:nvSpPr>
         <p:spPr bwMode="auto">
           <a:xfrm>
-            <a:off x="6269685" y="1602993"/>
+            <a:off x="6269685" y="1477321"/>
             <a:ext cx="449263" cy="3657600"/>
           </a:xfrm>
           <a:prstGeom prst="rect">
@@ -8802,7 +9590,7 @@
         </p:nvSpPr>
         <p:spPr bwMode="blackWhite">
           <a:xfrm>
-            <a:off x="6718948" y="1602993"/>
+            <a:off x="6718948" y="1477321"/>
             <a:ext cx="449262" cy="3657600"/>
           </a:xfrm>
           <a:prstGeom prst="rect">
@@ -8945,7 +9733,7 @@
         </p:nvSpPr>
         <p:spPr bwMode="blackWhite">
           <a:xfrm>
-            <a:off x="7168210" y="1602993"/>
+            <a:off x="7168210" y="1477321"/>
             <a:ext cx="447675" cy="3657600"/>
           </a:xfrm>
           <a:prstGeom prst="rect">
@@ -9088,7 +9876,7 @@
         </p:nvSpPr>
         <p:spPr bwMode="blackWhite">
           <a:xfrm>
-            <a:off x="7615885" y="1602993"/>
+            <a:off x="7615885" y="1477321"/>
             <a:ext cx="454025" cy="3657600"/>
           </a:xfrm>
           <a:prstGeom prst="rect">
@@ -9231,7 +10019,7 @@
         </p:nvSpPr>
         <p:spPr bwMode="blackWhite">
           <a:xfrm>
-            <a:off x="8069910" y="1602993"/>
+            <a:off x="8069910" y="1477321"/>
             <a:ext cx="446088" cy="3657600"/>
           </a:xfrm>
           <a:prstGeom prst="rect">
@@ -9374,7 +10162,7 @@
         </p:nvSpPr>
         <p:spPr bwMode="blackWhite">
           <a:xfrm>
-            <a:off x="8515998" y="1602993"/>
+            <a:off x="8515998" y="1477321"/>
             <a:ext cx="449262" cy="3657600"/>
           </a:xfrm>
           <a:prstGeom prst="rect">
@@ -9517,7 +10305,7 @@
         </p:nvSpPr>
         <p:spPr bwMode="blackWhite">
           <a:xfrm>
-            <a:off x="8965260" y="1602993"/>
+            <a:off x="8965260" y="1477321"/>
             <a:ext cx="449263" cy="3657600"/>
           </a:xfrm>
           <a:prstGeom prst="rect">
@@ -9660,7 +10448,7 @@
         </p:nvSpPr>
         <p:spPr bwMode="blackWhite">
           <a:xfrm>
-            <a:off x="9414523" y="1602993"/>
+            <a:off x="9414523" y="1477321"/>
             <a:ext cx="452437" cy="3657600"/>
           </a:xfrm>
           <a:prstGeom prst="rect">
@@ -9803,7 +10591,7 @@
         </p:nvSpPr>
         <p:spPr bwMode="auto">
           <a:xfrm>
-            <a:off x="279833" y="4287479"/>
+            <a:off x="279833" y="4161807"/>
             <a:ext cx="1092799" cy="0"/>
           </a:xfrm>
           <a:prstGeom prst="line">
@@ -9855,7 +10643,7 @@
         </p:nvSpPr>
         <p:spPr bwMode="auto">
           <a:xfrm>
-            <a:off x="4032898" y="2110993"/>
+            <a:off x="4032898" y="1985321"/>
             <a:ext cx="4932362" cy="0"/>
           </a:xfrm>
           <a:prstGeom prst="line">
@@ -9905,7 +10693,7 @@
         </p:nvSpPr>
         <p:spPr bwMode="auto">
           <a:xfrm>
-            <a:off x="279833" y="4617040"/>
+            <a:off x="279833" y="4491368"/>
             <a:ext cx="1092799" cy="0"/>
           </a:xfrm>
           <a:prstGeom prst="line">
@@ -9955,7 +10743,7 @@
         </p:nvSpPr>
         <p:spPr bwMode="auto">
           <a:xfrm>
-            <a:off x="4481365" y="3006949"/>
+            <a:off x="4481365" y="2881277"/>
             <a:ext cx="3582195" cy="0"/>
           </a:xfrm>
           <a:prstGeom prst="line">
@@ -10295,7 +11083,7 @@
         </p:nvSpPr>
         <p:spPr bwMode="auto">
           <a:xfrm>
-            <a:off x="2077098" y="1604581"/>
+            <a:off x="2077098" y="1478909"/>
             <a:ext cx="1963737" cy="0"/>
           </a:xfrm>
           <a:prstGeom prst="line">
@@ -10345,7 +11133,7 @@
         </p:nvSpPr>
         <p:spPr bwMode="auto">
           <a:xfrm>
-            <a:off x="2077098" y="5257418"/>
+            <a:off x="2077098" y="5131746"/>
             <a:ext cx="1963737" cy="0"/>
           </a:xfrm>
           <a:prstGeom prst="line">
@@ -10395,7 +11183,7 @@
         </p:nvSpPr>
         <p:spPr bwMode="auto">
           <a:xfrm>
-            <a:off x="4024960" y="1341056"/>
+            <a:off x="4024960" y="1215384"/>
             <a:ext cx="350838" cy="246221"/>
           </a:xfrm>
           <a:prstGeom prst="rect">
@@ -10557,7 +11345,7 @@
         </p:nvSpPr>
         <p:spPr bwMode="auto">
           <a:xfrm>
-            <a:off x="4475810" y="1341056"/>
+            <a:off x="4475810" y="1215384"/>
             <a:ext cx="350838" cy="246221"/>
           </a:xfrm>
           <a:prstGeom prst="rect">
@@ -10719,7 +11507,7 @@
         </p:nvSpPr>
         <p:spPr bwMode="auto">
           <a:xfrm>
-            <a:off x="4925073" y="1341056"/>
+            <a:off x="4925073" y="1215384"/>
             <a:ext cx="350837" cy="246221"/>
           </a:xfrm>
           <a:prstGeom prst="rect">
@@ -10881,7 +11669,7 @@
         </p:nvSpPr>
         <p:spPr bwMode="auto">
           <a:xfrm>
-            <a:off x="5375923" y="1341056"/>
+            <a:off x="5375923" y="1215384"/>
             <a:ext cx="350837" cy="244475"/>
           </a:xfrm>
           <a:prstGeom prst="rect">
@@ -11043,7 +11831,7 @@
         </p:nvSpPr>
         <p:spPr bwMode="auto">
           <a:xfrm>
-            <a:off x="9414523" y="1341056"/>
+            <a:off x="9414523" y="1215384"/>
             <a:ext cx="350837" cy="244475"/>
           </a:xfrm>
           <a:prstGeom prst="rect">
@@ -11202,7 +11990,7 @@
         </p:nvSpPr>
         <p:spPr bwMode="auto">
           <a:xfrm>
-            <a:off x="8965260" y="1341056"/>
+            <a:off x="8965260" y="1215384"/>
             <a:ext cx="350838" cy="244475"/>
           </a:xfrm>
           <a:prstGeom prst="rect">
@@ -11361,7 +12149,7 @@
         </p:nvSpPr>
         <p:spPr bwMode="auto">
           <a:xfrm>
-            <a:off x="8515998" y="1341056"/>
+            <a:off x="8515998" y="1215384"/>
             <a:ext cx="350837" cy="244475"/>
           </a:xfrm>
           <a:prstGeom prst="rect">
@@ -11520,7 +12308,7 @@
         </p:nvSpPr>
         <p:spPr bwMode="auto">
           <a:xfrm>
-            <a:off x="8069910" y="1341056"/>
+            <a:off x="8069910" y="1215384"/>
             <a:ext cx="350838" cy="244475"/>
           </a:xfrm>
           <a:prstGeom prst="rect">
@@ -11679,7 +12467,7 @@
         </p:nvSpPr>
         <p:spPr bwMode="auto">
           <a:xfrm>
-            <a:off x="7615885" y="1341056"/>
+            <a:off x="7615885" y="1215384"/>
             <a:ext cx="350838" cy="244475"/>
           </a:xfrm>
           <a:prstGeom prst="rect">
@@ -11838,7 +12626,7 @@
         </p:nvSpPr>
         <p:spPr bwMode="auto">
           <a:xfrm>
-            <a:off x="7168210" y="1341056"/>
+            <a:off x="7168210" y="1215384"/>
             <a:ext cx="350838" cy="244475"/>
           </a:xfrm>
           <a:prstGeom prst="rect">
@@ -11997,7 +12785,7 @@
         </p:nvSpPr>
         <p:spPr bwMode="auto">
           <a:xfrm>
-            <a:off x="6718948" y="1341056"/>
+            <a:off x="6718948" y="1215384"/>
             <a:ext cx="350837" cy="244475"/>
           </a:xfrm>
           <a:prstGeom prst="rect">
@@ -12156,7 +12944,7 @@
         </p:nvSpPr>
         <p:spPr bwMode="auto">
           <a:xfrm>
-            <a:off x="6269685" y="1341056"/>
+            <a:off x="6269685" y="1215384"/>
             <a:ext cx="350838" cy="244475"/>
           </a:xfrm>
           <a:prstGeom prst="rect">
@@ -12315,7 +13103,7 @@
         </p:nvSpPr>
         <p:spPr bwMode="auto">
           <a:xfrm>
-            <a:off x="5825185" y="1341056"/>
+            <a:off x="5825185" y="1215384"/>
             <a:ext cx="350838" cy="244475"/>
           </a:xfrm>
           <a:prstGeom prst="rect">
@@ -12474,7 +13262,7 @@
         </p:nvSpPr>
         <p:spPr bwMode="auto">
           <a:xfrm>
-            <a:off x="8079435" y="3779101"/>
+            <a:off x="8079435" y="3653429"/>
             <a:ext cx="1335088" cy="0"/>
           </a:xfrm>
           <a:prstGeom prst="line">
@@ -12524,7 +13312,7 @@
         </p:nvSpPr>
         <p:spPr bwMode="auto">
           <a:xfrm>
-            <a:off x="279833" y="4935422"/>
+            <a:off x="279833" y="4809750"/>
             <a:ext cx="1092799" cy="0"/>
           </a:xfrm>
           <a:prstGeom prst="line">
@@ -12717,7 +13505,7 @@
         </p:nvSpPr>
         <p:spPr>
           <a:xfrm>
-            <a:off x="1521154" y="4066254"/>
+            <a:off x="1521154" y="3940582"/>
             <a:ext cx="1257717" cy="369332"/>
           </a:xfrm>
           <a:prstGeom prst="rect">
@@ -12753,7 +13541,7 @@
         </p:nvSpPr>
         <p:spPr>
           <a:xfrm>
-            <a:off x="1534816" y="4424966"/>
+            <a:off x="1534816" y="4299294"/>
             <a:ext cx="1582484" cy="369332"/>
           </a:xfrm>
           <a:prstGeom prst="rect">
@@ -12789,7 +13577,7 @@
         </p:nvSpPr>
         <p:spPr>
           <a:xfrm>
-            <a:off x="1534816" y="4768109"/>
+            <a:off x="1534816" y="4642437"/>
             <a:ext cx="2249334" cy="369332"/>
           </a:xfrm>
           <a:prstGeom prst="rect">
@@ -12808,6 +13596,40 @@
               <a:t>Additional functions</a:t>
             </a:r>
             <a:endParaRPr lang="ko-KR" altLang="en-US" dirty="0"/>
+          </a:p>
+        </p:txBody>
+      </p:sp>
+      <p:sp>
+        <p:nvSpPr>
+          <p:cNvPr id="3" name="슬라이드 번호 개체 틀 2">
+            <a:extLst>
+              <a:ext uri="{FF2B5EF4-FFF2-40B4-BE49-F238E27FC236}">
+                <a16:creationId xmlns:a16="http://schemas.microsoft.com/office/drawing/2014/main" id="{EE9292BB-D393-4101-AE16-DDF6FA835587}"/>
+              </a:ext>
+            </a:extLst>
+          </p:cNvPr>
+          <p:cNvSpPr>
+            <a:spLocks noGrp="1"/>
+          </p:cNvSpPr>
+          <p:nvPr>
+            <p:ph type="sldNum" idx="10"/>
+          </p:nvPr>
+        </p:nvSpPr>
+        <p:spPr/>
+        <p:txBody>
+          <a:bodyPr/>
+          <a:lstStyle/>
+          <a:p>
+            <a:pPr algn="r"/>
+            <a:fld id="{4E22984F-3D1C-4FC0-B04F-DD7B6163E433}" type="slidenum">
+              <a:rPr lang="en-US" sz="1400" b="0" strike="noStrike" spc="-1" smtClean="0">
+                <a:latin typeface="Times New Roman"/>
+              </a:rPr>
+              <a:t>9</a:t>
+            </a:fld>
+            <a:endParaRPr lang="en-US" sz="1400" b="0" strike="noStrike" spc="-1" dirty="0">
+              <a:latin typeface="Times New Roman"/>
+            </a:endParaRPr>
           </a:p>
         </p:txBody>
       </p:sp>
@@ -13380,4 +14202,299 @@
     </a:ext>
   </a:extLst>
 </a:theme>
+</file>
+
+<file path=ppt/theme/theme3.xml><?xml version="1.0" encoding="utf-8"?>
+<a:theme xmlns:a="http://schemas.openxmlformats.org/drawingml/2006/main" name="Office 테마">
+  <a:themeElements>
+    <a:clrScheme name="Office">
+      <a:dk1>
+        <a:sysClr val="windowText" lastClr="000000"/>
+      </a:dk1>
+      <a:lt1>
+        <a:sysClr val="window" lastClr="FFFFFF"/>
+      </a:lt1>
+      <a:dk2>
+        <a:srgbClr val="44546A"/>
+      </a:dk2>
+      <a:lt2>
+        <a:srgbClr val="E7E6E6"/>
+      </a:lt2>
+      <a:accent1>
+        <a:srgbClr val="4472C4"/>
+      </a:accent1>
+      <a:accent2>
+        <a:srgbClr val="ED7D31"/>
+      </a:accent2>
+      <a:accent3>
+        <a:srgbClr val="A5A5A5"/>
+      </a:accent3>
+      <a:accent4>
+        <a:srgbClr val="FFC000"/>
+      </a:accent4>
+      <a:accent5>
+        <a:srgbClr val="5B9BD5"/>
+      </a:accent5>
+      <a:accent6>
+        <a:srgbClr val="70AD47"/>
+      </a:accent6>
+      <a:hlink>
+        <a:srgbClr val="0563C1"/>
+      </a:hlink>
+      <a:folHlink>
+        <a:srgbClr val="954F72"/>
+      </a:folHlink>
+    </a:clrScheme>
+    <a:fontScheme name="Office">
+      <a:majorFont>
+        <a:latin typeface="맑은 고딕" panose="020F0302020204030204"/>
+        <a:ea typeface=""/>
+        <a:cs typeface=""/>
+        <a:font script="Jpan" typeface="游ゴシック Light"/>
+        <a:font script="Hang" typeface="맑은 고딕"/>
+        <a:font script="Hans" typeface="等线 Light"/>
+        <a:font script="Hant" typeface="新細明體"/>
+        <a:font script="Arab" typeface="Times New Roman"/>
+        <a:font script="Hebr" typeface="Times New Roman"/>
+        <a:font script="Thai" typeface="Angsana New"/>
+        <a:font script="Ethi" typeface="Nyala"/>
+        <a:font script="Beng" typeface="Vrinda"/>
+        <a:font script="Gujr" typeface="Shruti"/>
+        <a:font script="Khmr" typeface="MoolBoran"/>
+        <a:font script="Knda" typeface="Tunga"/>
+        <a:font script="Guru" typeface="Raavi"/>
+        <a:font script="Cans" typeface="Euphemia"/>
+        <a:font script="Cher" typeface="Plantagenet Cherokee"/>
+        <a:font script="Yiii" typeface="Microsoft Yi Baiti"/>
+        <a:font script="Tibt" typeface="Microsoft Himalaya"/>
+        <a:font script="Thaa" typeface="MV Boli"/>
+        <a:font script="Deva" typeface="Mangal"/>
+        <a:font script="Telu" typeface="Gautami"/>
+        <a:font script="Taml" typeface="Latha"/>
+        <a:font script="Syrc" typeface="Estrangelo Edessa"/>
+        <a:font script="Orya" typeface="Kalinga"/>
+        <a:font script="Mlym" typeface="Kartika"/>
+        <a:font script="Laoo" typeface="DokChampa"/>
+        <a:font script="Sinh" typeface="Iskoola Pota"/>
+        <a:font script="Mong" typeface="Mongolian Baiti"/>
+        <a:font script="Viet" typeface="Times New Roman"/>
+        <a:font script="Uigh" typeface="Microsoft Uighur"/>
+        <a:font script="Geor" typeface="Sylfaen"/>
+        <a:font script="Armn" typeface="Arial"/>
+        <a:font script="Bugi" typeface="Leelawadee UI"/>
+        <a:font script="Bopo" typeface="Microsoft JhengHei"/>
+        <a:font script="Java" typeface="Javanese Text"/>
+        <a:font script="Lisu" typeface="Segoe UI"/>
+        <a:font script="Mymr" typeface="Myanmar Text"/>
+        <a:font script="Nkoo" typeface="Ebrima"/>
+        <a:font script="Olck" typeface="Nirmala UI"/>
+        <a:font script="Osma" typeface="Ebrima"/>
+        <a:font script="Phag" typeface="Phagspa"/>
+        <a:font script="Syrn" typeface="Estrangelo Edessa"/>
+        <a:font script="Syrj" typeface="Estrangelo Edessa"/>
+        <a:font script="Syre" typeface="Estrangelo Edessa"/>
+        <a:font script="Sora" typeface="Nirmala UI"/>
+        <a:font script="Tale" typeface="Microsoft Tai Le"/>
+        <a:font script="Talu" typeface="Microsoft New Tai Lue"/>
+        <a:font script="Tfng" typeface="Ebrima"/>
+      </a:majorFont>
+      <a:minorFont>
+        <a:latin typeface="맑은 고딕" panose="020F0502020204030204"/>
+        <a:ea typeface=""/>
+        <a:cs typeface=""/>
+        <a:font script="Jpan" typeface="游ゴシック"/>
+        <a:font script="Hang" typeface="맑은 고딕"/>
+        <a:font script="Hans" typeface="等线"/>
+        <a:font script="Hant" typeface="新細明體"/>
+        <a:font script="Arab" typeface="Arial"/>
+        <a:font script="Hebr" typeface="Arial"/>
+        <a:font script="Thai" typeface="Cordia New"/>
+        <a:font script="Ethi" typeface="Nyala"/>
+        <a:font script="Beng" typeface="Vrinda"/>
+        <a:font script="Gujr" typeface="Shruti"/>
+        <a:font script="Khmr" typeface="DaunPenh"/>
+        <a:font script="Knda" typeface="Tunga"/>
+        <a:font script="Guru" typeface="Raavi"/>
+        <a:font script="Cans" typeface="Euphemia"/>
+        <a:font script="Cher" typeface="Plantagenet Cherokee"/>
+        <a:font script="Yiii" typeface="Microsoft Yi Baiti"/>
+        <a:font script="Tibt" typeface="Microsoft Himalaya"/>
+        <a:font script="Thaa" typeface="MV Boli"/>
+        <a:font script="Deva" typeface="Mangal"/>
+        <a:font script="Telu" typeface="Gautami"/>
+        <a:font script="Taml" typeface="Latha"/>
+        <a:font script="Syrc" typeface="Estrangelo Edessa"/>
+        <a:font script="Orya" typeface="Kalinga"/>
+        <a:font script="Mlym" typeface="Kartika"/>
+        <a:font script="Laoo" typeface="DokChampa"/>
+        <a:font script="Sinh" typeface="Iskoola Pota"/>
+        <a:font script="Mong" typeface="Mongolian Baiti"/>
+        <a:font script="Viet" typeface="Arial"/>
+        <a:font script="Uigh" typeface="Microsoft Uighur"/>
+        <a:font script="Geor" typeface="Sylfaen"/>
+        <a:font script="Armn" typeface="Arial"/>
+        <a:font script="Bugi" typeface="Leelawadee UI"/>
+        <a:font script="Bopo" typeface="Microsoft JhengHei"/>
+        <a:font script="Java" typeface="Javanese Text"/>
+        <a:font script="Lisu" typeface="Segoe UI"/>
+        <a:font script="Mymr" typeface="Myanmar Text"/>
+        <a:font script="Nkoo" typeface="Ebrima"/>
+        <a:font script="Olck" typeface="Nirmala UI"/>
+        <a:font script="Osma" typeface="Ebrima"/>
+        <a:font script="Phag" typeface="Phagspa"/>
+        <a:font script="Syrn" typeface="Estrangelo Edessa"/>
+        <a:font script="Syrj" typeface="Estrangelo Edessa"/>
+        <a:font script="Syre" typeface="Estrangelo Edessa"/>
+        <a:font script="Sora" typeface="Nirmala UI"/>
+        <a:font script="Tale" typeface="Microsoft Tai Le"/>
+        <a:font script="Talu" typeface="Microsoft New Tai Lue"/>
+        <a:font script="Tfng" typeface="Ebrima"/>
+      </a:minorFont>
+    </a:fontScheme>
+    <a:fmtScheme name="Office">
+      <a:fillStyleLst>
+        <a:solidFill>
+          <a:schemeClr val="phClr"/>
+        </a:solidFill>
+        <a:gradFill rotWithShape="1">
+          <a:gsLst>
+            <a:gs pos="0">
+              <a:schemeClr val="phClr">
+                <a:lumMod val="110000"/>
+                <a:satMod val="105000"/>
+                <a:tint val="67000"/>
+              </a:schemeClr>
+            </a:gs>
+            <a:gs pos="50000">
+              <a:schemeClr val="phClr">
+                <a:lumMod val="105000"/>
+                <a:satMod val="103000"/>
+                <a:tint val="73000"/>
+              </a:schemeClr>
+            </a:gs>
+            <a:gs pos="100000">
+              <a:schemeClr val="phClr">
+                <a:lumMod val="105000"/>
+                <a:satMod val="109000"/>
+                <a:tint val="81000"/>
+              </a:schemeClr>
+            </a:gs>
+          </a:gsLst>
+          <a:lin ang="5400000" scaled="0"/>
+        </a:gradFill>
+        <a:gradFill rotWithShape="1">
+          <a:gsLst>
+            <a:gs pos="0">
+              <a:schemeClr val="phClr">
+                <a:satMod val="103000"/>
+                <a:lumMod val="102000"/>
+                <a:tint val="94000"/>
+              </a:schemeClr>
+            </a:gs>
+            <a:gs pos="50000">
+              <a:schemeClr val="phClr">
+                <a:satMod val="110000"/>
+                <a:lumMod val="100000"/>
+                <a:shade val="100000"/>
+              </a:schemeClr>
+            </a:gs>
+            <a:gs pos="100000">
+              <a:schemeClr val="phClr">
+                <a:lumMod val="99000"/>
+                <a:satMod val="120000"/>
+                <a:shade val="78000"/>
+              </a:schemeClr>
+            </a:gs>
+          </a:gsLst>
+          <a:lin ang="5400000" scaled="0"/>
+        </a:gradFill>
+      </a:fillStyleLst>
+      <a:lnStyleLst>
+        <a:ln w="6350" cap="flat" cmpd="sng" algn="ctr">
+          <a:solidFill>
+            <a:schemeClr val="phClr"/>
+          </a:solidFill>
+          <a:prstDash val="solid"/>
+          <a:miter lim="800000"/>
+        </a:ln>
+        <a:ln w="12700" cap="flat" cmpd="sng" algn="ctr">
+          <a:solidFill>
+            <a:schemeClr val="phClr"/>
+          </a:solidFill>
+          <a:prstDash val="solid"/>
+          <a:miter lim="800000"/>
+        </a:ln>
+        <a:ln w="19050" cap="flat" cmpd="sng" algn="ctr">
+          <a:solidFill>
+            <a:schemeClr val="phClr"/>
+          </a:solidFill>
+          <a:prstDash val="solid"/>
+          <a:miter lim="800000"/>
+        </a:ln>
+      </a:lnStyleLst>
+      <a:effectStyleLst>
+        <a:effectStyle>
+          <a:effectLst/>
+        </a:effectStyle>
+        <a:effectStyle>
+          <a:effectLst/>
+        </a:effectStyle>
+        <a:effectStyle>
+          <a:effectLst>
+            <a:outerShdw blurRad="57150" dist="19050" dir="5400000" algn="ctr" rotWithShape="0">
+              <a:srgbClr val="000000">
+                <a:alpha val="63000"/>
+              </a:srgbClr>
+            </a:outerShdw>
+          </a:effectLst>
+        </a:effectStyle>
+      </a:effectStyleLst>
+      <a:bgFillStyleLst>
+        <a:solidFill>
+          <a:schemeClr val="phClr"/>
+        </a:solidFill>
+        <a:solidFill>
+          <a:schemeClr val="phClr">
+            <a:tint val="95000"/>
+            <a:satMod val="170000"/>
+          </a:schemeClr>
+        </a:solidFill>
+        <a:gradFill rotWithShape="1">
+          <a:gsLst>
+            <a:gs pos="0">
+              <a:schemeClr val="phClr">
+                <a:tint val="93000"/>
+                <a:satMod val="150000"/>
+                <a:shade val="98000"/>
+                <a:lumMod val="102000"/>
+              </a:schemeClr>
+            </a:gs>
+            <a:gs pos="50000">
+              <a:schemeClr val="phClr">
+                <a:tint val="98000"/>
+                <a:satMod val="130000"/>
+                <a:shade val="90000"/>
+                <a:lumMod val="103000"/>
+              </a:schemeClr>
+            </a:gs>
+            <a:gs pos="100000">
+              <a:schemeClr val="phClr">
+                <a:shade val="63000"/>
+                <a:satMod val="120000"/>
+              </a:schemeClr>
+            </a:gs>
+          </a:gsLst>
+          <a:lin ang="5400000" scaled="0"/>
+        </a:gradFill>
+      </a:bgFillStyleLst>
+    </a:fmtScheme>
+  </a:themeElements>
+  <a:objectDefaults/>
+  <a:extraClrSchemeLst/>
+  <a:extLst>
+    <a:ext uri="{05A4C25C-085E-4340-85A3-A5531E510DB2}">
+      <thm15:themeFamily xmlns:thm15="http://schemas.microsoft.com/office/thememl/2012/main" name="Office Theme" id="{62F939B6-93AF-4DB8-9C6B-D6C7DFDC589F}" vid="{4A3C46E8-61CC-4603-A589-7422A47A8E4A}"/>
+    </a:ext>
+  </a:extLst>
+</a:theme>
 </file>